--- a/Project_Proposal_With_Components_Prices.ppt.pptx
+++ b/Project_Proposal_With_Components_Prices.ppt.pptx
@@ -313,7 +313,7 @@
           <a:p>
             <a:fld id="{C8A432C8-69A7-458B-9684-2BFA64B31948}" type="datetime2">
               <a:rPr lang="en-US" smtClean="0"/>
-              <a:t>Wednesday, May 5, 2021</a:t>
+              <a:t>Wednesday, May 19, 2021</a:t>
             </a:fld>
             <a:endParaRPr lang="en-US"/>
           </a:p>
@@ -515,7 +515,7 @@
           <a:p>
             <a:fld id="{8CC057FC-95B6-4D89-AFDA-ABA33EE921E5}" type="datetime2">
               <a:rPr lang="en-US" smtClean="0"/>
-              <a:t>Wednesday, May 5, 2021</a:t>
+              <a:t>Wednesday, May 19, 2021</a:t>
             </a:fld>
             <a:endParaRPr lang="en-US"/>
           </a:p>
@@ -692,7 +692,7 @@
           <a:p>
             <a:fld id="{EC4549AC-EB31-477F-92A9-B1988E232878}" type="datetime2">
               <a:rPr lang="en-US" smtClean="0"/>
-              <a:t>Wednesday, May 5, 2021</a:t>
+              <a:t>Wednesday, May 19, 2021</a:t>
             </a:fld>
             <a:endParaRPr lang="en-US"/>
           </a:p>
@@ -859,7 +859,7 @@
           <a:p>
             <a:fld id="{6396A3A3-94A6-4E5B-AF39-173ACA3E61CC}" type="datetime2">
               <a:rPr lang="en-US" smtClean="0"/>
-              <a:t>Wednesday, May 5, 2021</a:t>
+              <a:t>Wednesday, May 19, 2021</a:t>
             </a:fld>
             <a:endParaRPr lang="en-US"/>
           </a:p>
@@ -1109,7 +1109,7 @@
           <a:p>
             <a:fld id="{9933D019-A32C-4EAD-B8E6-DBDA699692FD}" type="datetime2">
               <a:rPr lang="en-US" smtClean="0"/>
-              <a:t>Wednesday, May 5, 2021</a:t>
+              <a:t>Wednesday, May 19, 2021</a:t>
             </a:fld>
             <a:endParaRPr lang="en-US"/>
           </a:p>
@@ -1429,7 +1429,7 @@
           <a:p>
             <a:fld id="{CCEBA98F-560C-4997-81C4-81D4D9187EAB}" type="datetime2">
               <a:rPr lang="en-US" smtClean="0"/>
-              <a:t>Wednesday, May 5, 2021</a:t>
+              <a:t>Wednesday, May 19, 2021</a:t>
             </a:fld>
             <a:endParaRPr lang="en-US"/>
           </a:p>
@@ -1897,7 +1897,7 @@
           <a:p>
             <a:fld id="{150972B2-CA5C-437D-87D0-8081271A9E4B}" type="datetime2">
               <a:rPr lang="en-US" smtClean="0"/>
-              <a:t>Wednesday, May 5, 2021</a:t>
+              <a:t>Wednesday, May 19, 2021</a:t>
             </a:fld>
             <a:endParaRPr lang="en-US"/>
           </a:p>
@@ -2047,7 +2047,7 @@
           <a:p>
             <a:fld id="{79CD4847-11EF-4466-A8AD-85CDB7B49118}" type="datetime2">
               <a:rPr lang="en-US" smtClean="0"/>
-              <a:t>Wednesday, May 5, 2021</a:t>
+              <a:t>Wednesday, May 19, 2021</a:t>
             </a:fld>
             <a:endParaRPr lang="en-US"/>
           </a:p>
@@ -2139,7 +2139,7 @@
           <a:p>
             <a:fld id="{F168457A-3AB9-4880-8A0C-9F8524491207}" type="datetime2">
               <a:rPr lang="en-US" smtClean="0"/>
-              <a:t>Wednesday, May 5, 2021</a:t>
+              <a:t>Wednesday, May 19, 2021</a:t>
             </a:fld>
             <a:endParaRPr lang="en-US"/>
           </a:p>
@@ -2415,7 +2415,7 @@
           <a:p>
             <a:fld id="{3FE976D3-5B7F-4300-ABED-C91F1B2AE209}" type="datetime2">
               <a:rPr lang="en-US" smtClean="0"/>
-              <a:t>Wednesday, May 5, 2021</a:t>
+              <a:t>Wednesday, May 19, 2021</a:t>
             </a:fld>
             <a:endParaRPr lang="en-US"/>
           </a:p>
@@ -2722,7 +2722,7 @@
           <a:p>
             <a:fld id="{EBDC1E59-17DD-41CE-97CA-624A472382D4}" type="datetime2">
               <a:rPr lang="en-US" smtClean="0"/>
-              <a:t>Wednesday, May 5, 2021</a:t>
+              <a:t>Wednesday, May 19, 2021</a:t>
             </a:fld>
             <a:endParaRPr lang="en-US"/>
           </a:p>
@@ -3022,7 +3022,7 @@
           <a:p>
             <a:fld id="{A80CB818-7379-467D-8E76-EF9D9074A26C}" type="datetime2">
               <a:rPr lang="en-US" smtClean="0"/>
-              <a:t>Wednesday, May 5, 2021</a:t>
+              <a:t>Wednesday, May 19, 2021</a:t>
             </a:fld>
             <a:endParaRPr lang="en-US" dirty="0"/>
           </a:p>
@@ -3467,7 +3467,7 @@
         </p:spPr>
         <p:txBody>
           <a:bodyPr>
-            <a:normAutofit fontScale="85000" lnSpcReduction="10000"/>
+            <a:normAutofit fontScale="92500" lnSpcReduction="10000"/>
           </a:bodyPr>
           <a:lstStyle/>
           <a:p>
@@ -3496,17 +3496,6 @@
               <a:rPr lang="es-ES" sz="1700" dirty="0"/>
               <a:t>Carlos Peña de Pedro -1532529</a:t>
             </a:r>
-          </a:p>
-          <a:p>
-            <a:r>
-              <a:rPr lang="es-ES" sz="1700" dirty="0" err="1"/>
-              <a:t>Matias</a:t>
-            </a:r>
-            <a:r>
-              <a:rPr lang="es-ES" sz="1700" dirty="0"/>
-              <a:t> Risco Lagos - 1459721</a:t>
-            </a:r>
-            <a:endParaRPr lang="en-US" sz="1700" dirty="0"/>
           </a:p>
         </p:txBody>
       </p:sp>
@@ -4060,42 +4049,6 @@
           </a:p>
         </p:txBody>
       </p:sp>
-      <p:pic>
-        <p:nvPicPr>
-          <p:cNvPr id="10" name="Imagen 9">
-            <a:extLst>
-              <a:ext uri="{FF2B5EF4-FFF2-40B4-BE49-F238E27FC236}">
-                <a16:creationId xmlns:a16="http://schemas.microsoft.com/office/drawing/2014/main" id="{39CA4941-5EA4-451C-AE24-F3F945995C68}"/>
-              </a:ext>
-            </a:extLst>
-          </p:cNvPr>
-          <p:cNvPicPr>
-            <a:picLocks noChangeAspect="1"/>
-          </p:cNvPicPr>
-          <p:nvPr/>
-        </p:nvPicPr>
-        <p:blipFill>
-          <a:blip r:embed="rId3" cstate="email">
-            <a:extLst>
-              <a:ext uri="{28A0092B-C50C-407E-A947-70E740481C1C}">
-                <a14:useLocalDpi xmlns:a14="http://schemas.microsoft.com/office/drawing/2010/main" val="0"/>
-              </a:ext>
-            </a:extLst>
-          </a:blip>
-          <a:stretch>
-            <a:fillRect/>
-          </a:stretch>
-        </p:blipFill>
-        <p:spPr>
-          <a:xfrm>
-            <a:off x="5338867" y="1182475"/>
-            <a:ext cx="3743848" cy="2111325"/>
-          </a:xfrm>
-          <a:prstGeom prst="rect">
-            <a:avLst/>
-          </a:prstGeom>
-        </p:spPr>
-      </p:pic>
       <p:sp>
         <p:nvSpPr>
           <p:cNvPr id="11" name="Rectángulo 10">
@@ -4110,8 +4063,8 @@
         </p:nvSpPr>
         <p:spPr>
           <a:xfrm>
-            <a:off x="5504873" y="1089891"/>
-            <a:ext cx="2953327" cy="2111325"/>
+            <a:off x="5504873" y="1071419"/>
+            <a:ext cx="2953327" cy="2129798"/>
           </a:xfrm>
           <a:prstGeom prst="rect">
             <a:avLst/>
@@ -4146,10 +4099,46 @@
           <a:lstStyle/>
           <a:p>
             <a:pPr algn="ctr"/>
-            <a:endParaRPr lang="ca-ES"/>
-          </a:p>
-        </p:txBody>
-      </p:sp>
+            <a:endParaRPr lang="ca-ES" sz="2000" dirty="0"/>
+          </a:p>
+        </p:txBody>
+      </p:sp>
+      <p:pic>
+        <p:nvPicPr>
+          <p:cNvPr id="6" name="Imagen 5">
+            <a:extLst>
+              <a:ext uri="{FF2B5EF4-FFF2-40B4-BE49-F238E27FC236}">
+                <a16:creationId xmlns:a16="http://schemas.microsoft.com/office/drawing/2014/main" id="{FD3113D3-763A-406F-BAE2-328B0C6CDCA8}"/>
+              </a:ext>
+            </a:extLst>
+          </p:cNvPr>
+          <p:cNvPicPr>
+            <a:picLocks noChangeAspect="1"/>
+          </p:cNvPicPr>
+          <p:nvPr/>
+        </p:nvPicPr>
+        <p:blipFill>
+          <a:blip r:embed="rId3" cstate="email">
+            <a:extLst>
+              <a:ext uri="{28A0092B-C50C-407E-A947-70E740481C1C}">
+                <a14:useLocalDpi xmlns:a14="http://schemas.microsoft.com/office/drawing/2010/main" val="0"/>
+              </a:ext>
+            </a:extLst>
+          </a:blip>
+          <a:stretch>
+            <a:fillRect/>
+          </a:stretch>
+        </p:blipFill>
+        <p:spPr>
+          <a:xfrm>
+            <a:off x="5518837" y="1089891"/>
+            <a:ext cx="2930127" cy="2111325"/>
+          </a:xfrm>
+          <a:prstGeom prst="rect">
+            <a:avLst/>
+          </a:prstGeom>
+        </p:spPr>
+      </p:pic>
     </p:spTree>
     <p:extLst>
       <p:ext uri="{BB962C8B-B14F-4D97-AF65-F5344CB8AC3E}">
@@ -4216,7 +4205,7 @@
           <p:nvPr>
             <p:extLst>
               <p:ext uri="{D42A27DB-BD31-4B8C-83A1-F6EECF244321}">
-                <p14:modId xmlns:p14="http://schemas.microsoft.com/office/powerpoint/2010/main" val="807841582"/>
+                <p14:modId xmlns:p14="http://schemas.microsoft.com/office/powerpoint/2010/main" val="1975988510"/>
               </p:ext>
             </p:extLst>
           </p:nvPr>
@@ -6274,7 +6263,7 @@
                       <a:pPr algn="ctr"/>
                       <a:r>
                         <a:rPr lang="en-US" dirty="0"/>
-                        <a:t>      1</a:t>
+                        <a:t> 1</a:t>
                       </a:r>
                     </a:p>
                   </a:txBody>
@@ -6543,42 +6532,6 @@
           </a:graphicData>
         </a:graphic>
       </p:graphicFrame>
-      <p:pic>
-        <p:nvPicPr>
-          <p:cNvPr id="6" name="Imagen 5">
-            <a:extLst>
-              <a:ext uri="{FF2B5EF4-FFF2-40B4-BE49-F238E27FC236}">
-                <a16:creationId xmlns:a16="http://schemas.microsoft.com/office/drawing/2014/main" id="{82A8D859-F9BC-4116-8F2C-AB68FFDEF2C7}"/>
-              </a:ext>
-            </a:extLst>
-          </p:cNvPr>
-          <p:cNvPicPr>
-            <a:picLocks noChangeAspect="1"/>
-          </p:cNvPicPr>
-          <p:nvPr/>
-        </p:nvPicPr>
-        <p:blipFill>
-          <a:blip r:embed="rId2" cstate="email">
-            <a:extLst>
-              <a:ext uri="{28A0092B-C50C-407E-A947-70E740481C1C}">
-                <a14:useLocalDpi xmlns:a14="http://schemas.microsoft.com/office/drawing/2010/main" val="0"/>
-              </a:ext>
-            </a:extLst>
-          </a:blip>
-          <a:stretch>
-            <a:fillRect/>
-          </a:stretch>
-        </p:blipFill>
-        <p:spPr>
-          <a:xfrm>
-            <a:off x="7073703" y="609062"/>
-            <a:ext cx="1766376" cy="1024989"/>
-          </a:xfrm>
-          <a:prstGeom prst="rect">
-            <a:avLst/>
-          </a:prstGeom>
-        </p:spPr>
-      </p:pic>
       <p:sp>
         <p:nvSpPr>
           <p:cNvPr id="7" name="Rectángulo 6">
@@ -6633,6 +6586,42 @@
           </a:p>
         </p:txBody>
       </p:sp>
+      <p:pic>
+        <p:nvPicPr>
+          <p:cNvPr id="8" name="Imagen 7">
+            <a:extLst>
+              <a:ext uri="{FF2B5EF4-FFF2-40B4-BE49-F238E27FC236}">
+                <a16:creationId xmlns:a16="http://schemas.microsoft.com/office/drawing/2014/main" id="{CD7FEF7F-8135-437A-ADB9-72F2085D824C}"/>
+              </a:ext>
+            </a:extLst>
+          </p:cNvPr>
+          <p:cNvPicPr>
+            <a:picLocks noChangeAspect="1"/>
+          </p:cNvPicPr>
+          <p:nvPr/>
+        </p:nvPicPr>
+        <p:blipFill>
+          <a:blip r:embed="rId2" cstate="email">
+            <a:extLst>
+              <a:ext uri="{28A0092B-C50C-407E-A947-70E740481C1C}">
+                <a14:useLocalDpi xmlns:a14="http://schemas.microsoft.com/office/drawing/2010/main" val="0"/>
+              </a:ext>
+            </a:extLst>
+          </a:blip>
+          <a:stretch>
+            <a:fillRect/>
+          </a:stretch>
+        </p:blipFill>
+        <p:spPr>
+          <a:xfrm>
+            <a:off x="7073703" y="572991"/>
+            <a:ext cx="1613096" cy="1097132"/>
+          </a:xfrm>
+          <a:prstGeom prst="rect">
+            <a:avLst/>
+          </a:prstGeom>
+        </p:spPr>
+      </p:pic>
     </p:spTree>
     <p:extLst>
       <p:ext uri="{BB962C8B-B14F-4D97-AF65-F5344CB8AC3E}">
